--- a/_REF/DOC/Projeto automação de plantio.pptx
+++ b/_REF/DOC/Projeto automação de plantio.pptx
@@ -9,6 +9,9 @@
     <p:sldId id="258" r:id="rId3"/>
     <p:sldId id="257" r:id="rId4"/>
     <p:sldId id="259" r:id="rId5"/>
+    <p:sldId id="262" r:id="rId6"/>
+    <p:sldId id="260" r:id="rId7"/>
+    <p:sldId id="261" r:id="rId8"/>
   </p:sldIdLst>
   <p:sldSz cx="9144000" cy="6858000" type="screen4x3"/>
   <p:notesSz cx="6858000" cy="9144000"/>
@@ -263,7 +266,7 @@
           <a:p>
             <a:fld id="{3899A823-3AE7-4516-AD68-A4A71C2A38A1}" type="datetimeFigureOut">
               <a:rPr lang="pt-BR" smtClean="0"/>
-              <a:t>22/03/2022</a:t>
+              <a:t>27/03/2022</a:t>
             </a:fld>
             <a:endParaRPr lang="pt-BR"/>
           </a:p>
@@ -458,7 +461,7 @@
           <a:p>
             <a:fld id="{3899A823-3AE7-4516-AD68-A4A71C2A38A1}" type="datetimeFigureOut">
               <a:rPr lang="pt-BR" smtClean="0"/>
-              <a:t>22/03/2022</a:t>
+              <a:t>27/03/2022</a:t>
             </a:fld>
             <a:endParaRPr lang="pt-BR"/>
           </a:p>
@@ -633,7 +636,7 @@
           <a:p>
             <a:fld id="{3899A823-3AE7-4516-AD68-A4A71C2A38A1}" type="datetimeFigureOut">
               <a:rPr lang="pt-BR" smtClean="0"/>
-              <a:t>22/03/2022</a:t>
+              <a:t>27/03/2022</a:t>
             </a:fld>
             <a:endParaRPr lang="pt-BR"/>
           </a:p>
@@ -806,7 +809,7 @@
           <a:p>
             <a:fld id="{3899A823-3AE7-4516-AD68-A4A71C2A38A1}" type="datetimeFigureOut">
               <a:rPr lang="pt-BR" smtClean="0"/>
-              <a:t>22/03/2022</a:t>
+              <a:t>27/03/2022</a:t>
             </a:fld>
             <a:endParaRPr lang="pt-BR"/>
           </a:p>
@@ -1052,7 +1055,7 @@
           <a:p>
             <a:fld id="{3899A823-3AE7-4516-AD68-A4A71C2A38A1}" type="datetimeFigureOut">
               <a:rPr lang="pt-BR" smtClean="0"/>
-              <a:t>22/03/2022</a:t>
+              <a:t>27/03/2022</a:t>
             </a:fld>
             <a:endParaRPr lang="pt-BR"/>
           </a:p>
@@ -1149,7 +1152,7 @@
           <a:p>
             <a:fld id="{3899A823-3AE7-4516-AD68-A4A71C2A38A1}" type="datetimeFigureOut">
               <a:rPr lang="pt-BR" smtClean="0"/>
-              <a:t>22/03/2022</a:t>
+              <a:t>27/03/2022</a:t>
             </a:fld>
             <a:endParaRPr lang="pt-BR"/>
           </a:p>
@@ -1534,7 +1537,7 @@
           <a:p>
             <a:fld id="{3899A823-3AE7-4516-AD68-A4A71C2A38A1}" type="datetimeFigureOut">
               <a:rPr lang="pt-BR" smtClean="0"/>
-              <a:t>22/03/2022</a:t>
+              <a:t>27/03/2022</a:t>
             </a:fld>
             <a:endParaRPr lang="pt-BR"/>
           </a:p>
@@ -1796,7 +1799,7 @@
           <a:p>
             <a:fld id="{3899A823-3AE7-4516-AD68-A4A71C2A38A1}" type="datetimeFigureOut">
               <a:rPr lang="pt-BR" smtClean="0"/>
-              <a:t>22/03/2022</a:t>
+              <a:t>27/03/2022</a:t>
             </a:fld>
             <a:endParaRPr lang="pt-BR"/>
           </a:p>
@@ -1886,7 +1889,7 @@
           <a:p>
             <a:fld id="{3899A823-3AE7-4516-AD68-A4A71C2A38A1}" type="datetimeFigureOut">
               <a:rPr lang="pt-BR" smtClean="0"/>
-              <a:t>22/03/2022</a:t>
+              <a:t>27/03/2022</a:t>
             </a:fld>
             <a:endParaRPr lang="pt-BR"/>
           </a:p>
@@ -2160,7 +2163,7 @@
           <a:p>
             <a:fld id="{3899A823-3AE7-4516-AD68-A4A71C2A38A1}" type="datetimeFigureOut">
               <a:rPr lang="pt-BR" smtClean="0"/>
-              <a:t>22/03/2022</a:t>
+              <a:t>27/03/2022</a:t>
             </a:fld>
             <a:endParaRPr lang="pt-BR"/>
           </a:p>
@@ -2439,7 +2442,7 @@
           <a:p>
             <a:fld id="{3899A823-3AE7-4516-AD68-A4A71C2A38A1}" type="datetimeFigureOut">
               <a:rPr lang="pt-BR" smtClean="0"/>
-              <a:t>22/03/2022</a:t>
+              <a:t>27/03/2022</a:t>
             </a:fld>
             <a:endParaRPr lang="pt-BR"/>
           </a:p>
@@ -2787,7 +2790,7 @@
           <a:p>
             <a:fld id="{3899A823-3AE7-4516-AD68-A4A71C2A38A1}" type="datetimeFigureOut">
               <a:rPr lang="pt-BR" smtClean="0"/>
-              <a:t>22/03/2022</a:t>
+              <a:t>27/03/2022</a:t>
             </a:fld>
             <a:endParaRPr lang="pt-BR"/>
           </a:p>
@@ -3616,11 +3619,7 @@
           <a:p>
             <a:r>
               <a:rPr lang="pt-BR" dirty="0" smtClean="0"/>
-              <a:t>*detalhes de uma instalação </a:t>
-            </a:r>
-            <a:r>
-              <a:rPr lang="pt-BR" dirty="0" smtClean="0"/>
-              <a:t>extra</a:t>
+              <a:t>*detalhes de uma instalação extra</a:t>
             </a:r>
           </a:p>
           <a:p>
@@ -3642,7 +3641,6 @@
               <a:rPr lang="pt-BR" dirty="0" smtClean="0"/>
               <a:t>Motor do posso sem informações ***</a:t>
             </a:r>
-            <a:endParaRPr lang="pt-BR" dirty="0" smtClean="0"/>
           </a:p>
           <a:p>
             <a:endParaRPr lang="pt-BR" dirty="0" smtClean="0"/>
@@ -4100,6 +4098,92 @@
           </a:prstGeom>
         </p:spPr>
       </p:pic>
+      <p:sp>
+        <p:nvSpPr>
+          <p:cNvPr id="7" name="Retângulo 6"/>
+          <p:cNvSpPr/>
+          <p:nvPr/>
+        </p:nvSpPr>
+        <p:spPr>
+          <a:xfrm rot="1276500">
+            <a:off x="116851" y="2971895"/>
+            <a:ext cx="8856984" cy="72008"/>
+          </a:xfrm>
+          <a:prstGeom prst="rect">
+            <a:avLst/>
+          </a:prstGeom>
+          <a:solidFill>
+            <a:srgbClr val="FFFF00"/>
+          </a:solidFill>
+        </p:spPr>
+        <p:style>
+          <a:lnRef idx="2">
+            <a:schemeClr val="accent1">
+              <a:shade val="50000"/>
+            </a:schemeClr>
+          </a:lnRef>
+          <a:fillRef idx="1">
+            <a:schemeClr val="accent1"/>
+          </a:fillRef>
+          <a:effectRef idx="0">
+            <a:schemeClr val="accent1"/>
+          </a:effectRef>
+          <a:fontRef idx="minor">
+            <a:schemeClr val="lt1"/>
+          </a:fontRef>
+        </p:style>
+        <p:txBody>
+          <a:bodyPr rtlCol="0" anchor="ctr"/>
+          <a:lstStyle/>
+          <a:p>
+            <a:pPr algn="ctr"/>
+            <a:endParaRPr lang="pt-BR"/>
+          </a:p>
+        </p:txBody>
+      </p:sp>
+      <p:sp>
+        <p:nvSpPr>
+          <p:cNvPr id="8" name="Retângulo 7"/>
+          <p:cNvSpPr/>
+          <p:nvPr/>
+        </p:nvSpPr>
+        <p:spPr>
+          <a:xfrm rot="20130103">
+            <a:off x="269251" y="3124295"/>
+            <a:ext cx="8856984" cy="72008"/>
+          </a:xfrm>
+          <a:prstGeom prst="rect">
+            <a:avLst/>
+          </a:prstGeom>
+          <a:solidFill>
+            <a:srgbClr val="FFFF00"/>
+          </a:solidFill>
+        </p:spPr>
+        <p:style>
+          <a:lnRef idx="2">
+            <a:schemeClr val="accent1">
+              <a:shade val="50000"/>
+            </a:schemeClr>
+          </a:lnRef>
+          <a:fillRef idx="1">
+            <a:schemeClr val="accent1"/>
+          </a:fillRef>
+          <a:effectRef idx="0">
+            <a:schemeClr val="accent1"/>
+          </a:effectRef>
+          <a:fontRef idx="minor">
+            <a:schemeClr val="lt1"/>
+          </a:fontRef>
+        </p:style>
+        <p:txBody>
+          <a:bodyPr rtlCol="0" anchor="ctr"/>
+          <a:lstStyle/>
+          <a:p>
+            <a:pPr algn="ctr"/>
+            <a:endParaRPr lang="pt-BR"/>
+          </a:p>
+        </p:txBody>
+      </p:sp>
     </p:spTree>
     <p:extLst>
       <p:ext uri="{BB962C8B-B14F-4D97-AF65-F5344CB8AC3E}">
@@ -5547,10 +5631,1108 @@
           </a:p>
         </p:txBody>
       </p:sp>
+      <p:sp>
+        <p:nvSpPr>
+          <p:cNvPr id="10" name="Retângulo 9"/>
+          <p:cNvSpPr/>
+          <p:nvPr/>
+        </p:nvSpPr>
+        <p:spPr>
+          <a:xfrm rot="1276500">
+            <a:off x="116851" y="2971895"/>
+            <a:ext cx="8856984" cy="72008"/>
+          </a:xfrm>
+          <a:prstGeom prst="rect">
+            <a:avLst/>
+          </a:prstGeom>
+          <a:solidFill>
+            <a:srgbClr val="FFFF00"/>
+          </a:solidFill>
+        </p:spPr>
+        <p:style>
+          <a:lnRef idx="2">
+            <a:schemeClr val="accent1">
+              <a:shade val="50000"/>
+            </a:schemeClr>
+          </a:lnRef>
+          <a:fillRef idx="1">
+            <a:schemeClr val="accent1"/>
+          </a:fillRef>
+          <a:effectRef idx="0">
+            <a:schemeClr val="accent1"/>
+          </a:effectRef>
+          <a:fontRef idx="minor">
+            <a:schemeClr val="lt1"/>
+          </a:fontRef>
+        </p:style>
+        <p:txBody>
+          <a:bodyPr rtlCol="0" anchor="ctr"/>
+          <a:lstStyle/>
+          <a:p>
+            <a:pPr algn="ctr"/>
+            <a:endParaRPr lang="pt-BR"/>
+          </a:p>
+        </p:txBody>
+      </p:sp>
+      <p:sp>
+        <p:nvSpPr>
+          <p:cNvPr id="12" name="Retângulo 11"/>
+          <p:cNvSpPr/>
+          <p:nvPr/>
+        </p:nvSpPr>
+        <p:spPr>
+          <a:xfrm rot="20130103">
+            <a:off x="269251" y="3124295"/>
+            <a:ext cx="8856984" cy="72008"/>
+          </a:xfrm>
+          <a:prstGeom prst="rect">
+            <a:avLst/>
+          </a:prstGeom>
+          <a:solidFill>
+            <a:srgbClr val="FFFF00"/>
+          </a:solidFill>
+        </p:spPr>
+        <p:style>
+          <a:lnRef idx="2">
+            <a:schemeClr val="accent1">
+              <a:shade val="50000"/>
+            </a:schemeClr>
+          </a:lnRef>
+          <a:fillRef idx="1">
+            <a:schemeClr val="accent1"/>
+          </a:fillRef>
+          <a:effectRef idx="0">
+            <a:schemeClr val="accent1"/>
+          </a:effectRef>
+          <a:fontRef idx="minor">
+            <a:schemeClr val="lt1"/>
+          </a:fontRef>
+        </p:style>
+        <p:txBody>
+          <a:bodyPr rtlCol="0" anchor="ctr"/>
+          <a:lstStyle/>
+          <a:p>
+            <a:pPr algn="ctr"/>
+            <a:endParaRPr lang="pt-BR"/>
+          </a:p>
+        </p:txBody>
+      </p:sp>
     </p:spTree>
     <p:extLst>
       <p:ext uri="{BB962C8B-B14F-4D97-AF65-F5344CB8AC3E}">
         <p14:creationId xmlns:p14="http://schemas.microsoft.com/office/powerpoint/2010/main" val="2616921584"/>
+      </p:ext>
+    </p:extLst>
+  </p:cSld>
+  <p:clrMapOvr>
+    <a:masterClrMapping/>
+  </p:clrMapOvr>
+  <p:timing>
+    <p:tnLst>
+      <p:par>
+        <p:cTn id="1" dur="indefinite" restart="never" nodeType="tmRoot"/>
+      </p:par>
+    </p:tnLst>
+  </p:timing>
+</p:sld>
+</file>
+
+<file path=ppt/slides/slide5.xml><?xml version="1.0" encoding="utf-8"?>
+<p:sld xmlns:a="http://schemas.openxmlformats.org/drawingml/2006/main" xmlns:r="http://schemas.openxmlformats.org/officeDocument/2006/relationships" xmlns:p="http://schemas.openxmlformats.org/presentationml/2006/main">
+  <p:cSld>
+    <p:spTree>
+      <p:nvGrpSpPr>
+        <p:cNvPr id="1" name=""/>
+        <p:cNvGrpSpPr/>
+        <p:nvPr/>
+      </p:nvGrpSpPr>
+      <p:grpSpPr>
+        <a:xfrm>
+          <a:off x="0" y="0"/>
+          <a:ext cx="0" cy="0"/>
+          <a:chOff x="0" y="0"/>
+          <a:chExt cx="0" cy="0"/>
+        </a:xfrm>
+      </p:grpSpPr>
+      <p:sp>
+        <p:nvSpPr>
+          <p:cNvPr id="2" name="Título 1"/>
+          <p:cNvSpPr>
+            <a:spLocks noGrp="1"/>
+          </p:cNvSpPr>
+          <p:nvPr>
+            <p:ph type="title"/>
+          </p:nvPr>
+        </p:nvSpPr>
+        <p:spPr/>
+        <p:txBody>
+          <a:bodyPr/>
+          <a:lstStyle/>
+          <a:p>
+            <a:endParaRPr lang="pt-BR"/>
+          </a:p>
+        </p:txBody>
+      </p:sp>
+      <p:sp>
+        <p:nvSpPr>
+          <p:cNvPr id="3" name="Espaço Reservado para Conteúdo 2"/>
+          <p:cNvSpPr>
+            <a:spLocks noGrp="1"/>
+          </p:cNvSpPr>
+          <p:nvPr>
+            <p:ph idx="1"/>
+          </p:nvPr>
+        </p:nvSpPr>
+        <p:spPr/>
+        <p:txBody>
+          <a:bodyPr/>
+          <a:lstStyle/>
+          <a:p>
+            <a:endParaRPr lang="pt-BR"/>
+          </a:p>
+        </p:txBody>
+      </p:sp>
+    </p:spTree>
+    <p:extLst>
+      <p:ext uri="{BB962C8B-B14F-4D97-AF65-F5344CB8AC3E}">
+        <p14:creationId xmlns:p14="http://schemas.microsoft.com/office/powerpoint/2010/main" val="568994040"/>
+      </p:ext>
+    </p:extLst>
+  </p:cSld>
+  <p:clrMapOvr>
+    <a:masterClrMapping/>
+  </p:clrMapOvr>
+</p:sld>
+</file>
+
+<file path=ppt/slides/slide6.xml><?xml version="1.0" encoding="utf-8"?>
+<p:sld xmlns:a="http://schemas.openxmlformats.org/drawingml/2006/main" xmlns:r="http://schemas.openxmlformats.org/officeDocument/2006/relationships" xmlns:p="http://schemas.openxmlformats.org/presentationml/2006/main">
+  <p:cSld>
+    <p:spTree>
+      <p:nvGrpSpPr>
+        <p:cNvPr id="1" name=""/>
+        <p:cNvGrpSpPr/>
+        <p:nvPr/>
+      </p:nvGrpSpPr>
+      <p:grpSpPr>
+        <a:xfrm>
+          <a:off x="0" y="0"/>
+          <a:ext cx="0" cy="0"/>
+          <a:chOff x="0" y="0"/>
+          <a:chExt cx="0" cy="0"/>
+        </a:xfrm>
+      </p:grpSpPr>
+      <p:sp>
+        <p:nvSpPr>
+          <p:cNvPr id="4" name="Retângulo 3"/>
+          <p:cNvSpPr/>
+          <p:nvPr/>
+        </p:nvSpPr>
+        <p:spPr>
+          <a:xfrm>
+            <a:off x="0" y="586231"/>
+            <a:ext cx="8460432" cy="538513"/>
+          </a:xfrm>
+          <a:prstGeom prst="rect">
+            <a:avLst/>
+          </a:prstGeom>
+          <a:solidFill>
+            <a:schemeClr val="tx1"/>
+          </a:solidFill>
+          <a:ln>
+            <a:noFill/>
+          </a:ln>
+        </p:spPr>
+        <p:style>
+          <a:lnRef idx="2">
+            <a:schemeClr val="accent1">
+              <a:shade val="50000"/>
+            </a:schemeClr>
+          </a:lnRef>
+          <a:fillRef idx="1">
+            <a:schemeClr val="accent1"/>
+          </a:fillRef>
+          <a:effectRef idx="0">
+            <a:schemeClr val="accent1"/>
+          </a:effectRef>
+          <a:fontRef idx="minor">
+            <a:schemeClr val="lt1"/>
+          </a:fontRef>
+        </p:style>
+        <p:txBody>
+          <a:bodyPr rtlCol="0" anchor="ctr"/>
+          <a:lstStyle/>
+          <a:p>
+            <a:pPr algn="ctr"/>
+            <a:endParaRPr lang="pt-BR"/>
+          </a:p>
+        </p:txBody>
+      </p:sp>
+      <p:sp>
+        <p:nvSpPr>
+          <p:cNvPr id="2" name="Título 1"/>
+          <p:cNvSpPr>
+            <a:spLocks noGrp="1"/>
+          </p:cNvSpPr>
+          <p:nvPr>
+            <p:ph type="title"/>
+          </p:nvPr>
+        </p:nvSpPr>
+        <p:spPr>
+          <a:xfrm>
+            <a:off x="0" y="116633"/>
+            <a:ext cx="8460432" cy="1008111"/>
+          </a:xfrm>
+        </p:spPr>
+        <p:txBody>
+          <a:bodyPr>
+            <a:noAutofit/>
+          </a:bodyPr>
+          <a:lstStyle/>
+          <a:p>
+            <a:r>
+              <a:rPr lang="pt-BR" sz="2800" dirty="0">
+                <a:solidFill>
+                  <a:srgbClr val="EF3434"/>
+                </a:solidFill>
+              </a:rPr>
+              <a:t> </a:t>
+            </a:r>
+            <a:r>
+              <a:rPr lang="pt-BR" sz="2800" dirty="0" smtClean="0">
+                <a:solidFill>
+                  <a:srgbClr val="EF3434"/>
+                </a:solidFill>
+              </a:rPr>
+              <a:t> Lista de material usados e micro controlador</a:t>
+            </a:r>
+            <a:endParaRPr lang="pt-BR" sz="2800" dirty="0">
+              <a:solidFill>
+                <a:srgbClr val="EF3434"/>
+              </a:solidFill>
+            </a:endParaRPr>
+          </a:p>
+        </p:txBody>
+      </p:sp>
+      <p:pic>
+        <p:nvPicPr>
+          <p:cNvPr id="6" name="Imagem 5"/>
+          <p:cNvPicPr>
+            <a:picLocks noChangeAspect="1"/>
+          </p:cNvPicPr>
+          <p:nvPr/>
+        </p:nvPicPr>
+        <p:blipFill>
+          <a:blip r:embed="rId2" cstate="print">
+            <a:extLst>
+              <a:ext uri="{28A0092B-C50C-407E-A947-70E740481C1C}">
+                <a14:useLocalDpi xmlns:a14="http://schemas.microsoft.com/office/drawing/2010/main" val="0"/>
+              </a:ext>
+            </a:extLst>
+          </a:blip>
+          <a:stretch>
+            <a:fillRect/>
+          </a:stretch>
+        </p:blipFill>
+        <p:spPr>
+          <a:xfrm>
+            <a:off x="8172400" y="644321"/>
+            <a:ext cx="841520" cy="422332"/>
+          </a:xfrm>
+          <a:prstGeom prst="rect">
+            <a:avLst/>
+          </a:prstGeom>
+        </p:spPr>
+      </p:pic>
+      <p:pic>
+        <p:nvPicPr>
+          <p:cNvPr id="1029" name="Picture 5"/>
+          <p:cNvPicPr>
+            <a:picLocks noChangeAspect="1" noChangeArrowheads="1"/>
+          </p:cNvPicPr>
+          <p:nvPr/>
+        </p:nvPicPr>
+        <p:blipFill>
+          <a:blip r:embed="rId3">
+            <a:extLst>
+              <a:ext uri="{28A0092B-C50C-407E-A947-70E740481C1C}">
+                <a14:useLocalDpi xmlns:a14="http://schemas.microsoft.com/office/drawing/2010/main" val="0"/>
+              </a:ext>
+            </a:extLst>
+          </a:blip>
+          <a:srcRect/>
+          <a:stretch>
+            <a:fillRect/>
+          </a:stretch>
+        </p:blipFill>
+        <p:spPr bwMode="auto">
+          <a:xfrm>
+            <a:off x="323528" y="1484784"/>
+            <a:ext cx="3764124" cy="4608512"/>
+          </a:xfrm>
+          <a:prstGeom prst="rect">
+            <a:avLst/>
+          </a:prstGeom>
+          <a:noFill/>
+          <a:ln>
+            <a:noFill/>
+          </a:ln>
+          <a:effectLst/>
+          <a:extLst>
+            <a:ext uri="{909E8E84-426E-40DD-AFC4-6F175D3DCCD1}">
+              <a14:hiddenFill xmlns:a14="http://schemas.microsoft.com/office/drawing/2010/main">
+                <a:solidFill>
+                  <a:schemeClr val="accent1"/>
+                </a:solidFill>
+              </a14:hiddenFill>
+            </a:ext>
+            <a:ext uri="{91240B29-F687-4F45-9708-019B960494DF}">
+              <a14:hiddenLine xmlns:a14="http://schemas.microsoft.com/office/drawing/2010/main" w="9525">
+                <a:solidFill>
+                  <a:schemeClr val="tx1"/>
+                </a:solidFill>
+                <a:miter lim="800000"/>
+                <a:headEnd/>
+                <a:tailEnd/>
+              </a14:hiddenLine>
+            </a:ext>
+            <a:ext uri="{AF507438-7753-43E0-B8FC-AC1667EBCBE1}">
+              <a14:hiddenEffects xmlns:a14="http://schemas.microsoft.com/office/drawing/2010/main">
+                <a:effectLst>
+                  <a:outerShdw dist="35921" dir="2700000" algn="ctr" rotWithShape="0">
+                    <a:schemeClr val="bg2"/>
+                  </a:outerShdw>
+                </a:effectLst>
+              </a14:hiddenEffects>
+            </a:ext>
+          </a:extLst>
+        </p:spPr>
+      </p:pic>
+      <p:pic>
+        <p:nvPicPr>
+          <p:cNvPr id="1031" name="Picture 7"/>
+          <p:cNvPicPr>
+            <a:picLocks noChangeAspect="1" noChangeArrowheads="1"/>
+          </p:cNvPicPr>
+          <p:nvPr/>
+        </p:nvPicPr>
+        <p:blipFill>
+          <a:blip r:embed="rId4">
+            <a:extLst>
+              <a:ext uri="{28A0092B-C50C-407E-A947-70E740481C1C}">
+                <a14:useLocalDpi xmlns:a14="http://schemas.microsoft.com/office/drawing/2010/main" val="0"/>
+              </a:ext>
+            </a:extLst>
+          </a:blip>
+          <a:srcRect/>
+          <a:stretch>
+            <a:fillRect/>
+          </a:stretch>
+        </p:blipFill>
+        <p:spPr bwMode="auto">
+          <a:xfrm>
+            <a:off x="4230215" y="1484784"/>
+            <a:ext cx="4133865" cy="4608512"/>
+          </a:xfrm>
+          <a:prstGeom prst="rect">
+            <a:avLst/>
+          </a:prstGeom>
+          <a:noFill/>
+          <a:ln>
+            <a:noFill/>
+          </a:ln>
+          <a:effectLst/>
+          <a:extLst>
+            <a:ext uri="{909E8E84-426E-40DD-AFC4-6F175D3DCCD1}">
+              <a14:hiddenFill xmlns:a14="http://schemas.microsoft.com/office/drawing/2010/main">
+                <a:solidFill>
+                  <a:schemeClr val="accent1"/>
+                </a:solidFill>
+              </a14:hiddenFill>
+            </a:ext>
+            <a:ext uri="{91240B29-F687-4F45-9708-019B960494DF}">
+              <a14:hiddenLine xmlns:a14="http://schemas.microsoft.com/office/drawing/2010/main" w="9525">
+                <a:solidFill>
+                  <a:schemeClr val="tx1"/>
+                </a:solidFill>
+                <a:miter lim="800000"/>
+                <a:headEnd/>
+                <a:tailEnd/>
+              </a14:hiddenLine>
+            </a:ext>
+            <a:ext uri="{AF507438-7753-43E0-B8FC-AC1667EBCBE1}">
+              <a14:hiddenEffects xmlns:a14="http://schemas.microsoft.com/office/drawing/2010/main">
+                <a:effectLst>
+                  <a:outerShdw dist="35921" dir="2700000" algn="ctr" rotWithShape="0">
+                    <a:schemeClr val="bg2"/>
+                  </a:outerShdw>
+                </a:effectLst>
+              </a14:hiddenEffects>
+            </a:ext>
+          </a:extLst>
+        </p:spPr>
+      </p:pic>
+    </p:spTree>
+    <p:extLst>
+      <p:ext uri="{BB962C8B-B14F-4D97-AF65-F5344CB8AC3E}">
+        <p14:creationId xmlns:p14="http://schemas.microsoft.com/office/powerpoint/2010/main" val="2270581839"/>
+      </p:ext>
+    </p:extLst>
+  </p:cSld>
+  <p:clrMapOvr>
+    <a:masterClrMapping/>
+  </p:clrMapOvr>
+  <p:timing>
+    <p:tnLst>
+      <p:par>
+        <p:cTn id="1" dur="indefinite" restart="never" nodeType="tmRoot"/>
+      </p:par>
+    </p:tnLst>
+  </p:timing>
+</p:sld>
+</file>
+
+<file path=ppt/slides/slide7.xml><?xml version="1.0" encoding="utf-8"?>
+<p:sld xmlns:a="http://schemas.openxmlformats.org/drawingml/2006/main" xmlns:r="http://schemas.openxmlformats.org/officeDocument/2006/relationships" xmlns:p="http://schemas.openxmlformats.org/presentationml/2006/main">
+  <p:cSld>
+    <p:spTree>
+      <p:nvGrpSpPr>
+        <p:cNvPr id="1" name=""/>
+        <p:cNvGrpSpPr/>
+        <p:nvPr/>
+      </p:nvGrpSpPr>
+      <p:grpSpPr>
+        <a:xfrm>
+          <a:off x="0" y="0"/>
+          <a:ext cx="0" cy="0"/>
+          <a:chOff x="0" y="0"/>
+          <a:chExt cx="0" cy="0"/>
+        </a:xfrm>
+      </p:grpSpPr>
+      <p:sp>
+        <p:nvSpPr>
+          <p:cNvPr id="4" name="Retângulo 3"/>
+          <p:cNvSpPr/>
+          <p:nvPr/>
+        </p:nvSpPr>
+        <p:spPr>
+          <a:xfrm>
+            <a:off x="0" y="586231"/>
+            <a:ext cx="8460432" cy="538513"/>
+          </a:xfrm>
+          <a:prstGeom prst="rect">
+            <a:avLst/>
+          </a:prstGeom>
+          <a:solidFill>
+            <a:schemeClr val="tx1"/>
+          </a:solidFill>
+          <a:ln>
+            <a:noFill/>
+          </a:ln>
+        </p:spPr>
+        <p:style>
+          <a:lnRef idx="2">
+            <a:schemeClr val="accent1">
+              <a:shade val="50000"/>
+            </a:schemeClr>
+          </a:lnRef>
+          <a:fillRef idx="1">
+            <a:schemeClr val="accent1"/>
+          </a:fillRef>
+          <a:effectRef idx="0">
+            <a:schemeClr val="accent1"/>
+          </a:effectRef>
+          <a:fontRef idx="minor">
+            <a:schemeClr val="lt1"/>
+          </a:fontRef>
+        </p:style>
+        <p:txBody>
+          <a:bodyPr rtlCol="0" anchor="ctr"/>
+          <a:lstStyle/>
+          <a:p>
+            <a:pPr algn="ctr"/>
+            <a:endParaRPr lang="pt-BR"/>
+          </a:p>
+        </p:txBody>
+      </p:sp>
+      <p:sp>
+        <p:nvSpPr>
+          <p:cNvPr id="2" name="Título 1"/>
+          <p:cNvSpPr>
+            <a:spLocks noGrp="1"/>
+          </p:cNvSpPr>
+          <p:nvPr>
+            <p:ph type="title"/>
+          </p:nvPr>
+        </p:nvSpPr>
+        <p:spPr>
+          <a:xfrm>
+            <a:off x="0" y="116633"/>
+            <a:ext cx="8460432" cy="1008111"/>
+          </a:xfrm>
+        </p:spPr>
+        <p:txBody>
+          <a:bodyPr>
+            <a:noAutofit/>
+          </a:bodyPr>
+          <a:lstStyle/>
+          <a:p>
+            <a:r>
+              <a:rPr lang="pt-BR" sz="2800" dirty="0">
+                <a:solidFill>
+                  <a:srgbClr val="EF3434"/>
+                </a:solidFill>
+              </a:rPr>
+              <a:t> </a:t>
+            </a:r>
+            <a:r>
+              <a:rPr lang="pt-BR" sz="2800" dirty="0" smtClean="0">
+                <a:solidFill>
+                  <a:srgbClr val="EF3434"/>
+                </a:solidFill>
+              </a:rPr>
+              <a:t> Lista de material usados e micro controlador</a:t>
+            </a:r>
+            <a:endParaRPr lang="pt-BR" sz="2800" dirty="0">
+              <a:solidFill>
+                <a:srgbClr val="EF3434"/>
+              </a:solidFill>
+            </a:endParaRPr>
+          </a:p>
+        </p:txBody>
+      </p:sp>
+      <p:pic>
+        <p:nvPicPr>
+          <p:cNvPr id="6" name="Imagem 5"/>
+          <p:cNvPicPr>
+            <a:picLocks noChangeAspect="1"/>
+          </p:cNvPicPr>
+          <p:nvPr/>
+        </p:nvPicPr>
+        <p:blipFill>
+          <a:blip r:embed="rId2" cstate="print">
+            <a:extLst>
+              <a:ext uri="{28A0092B-C50C-407E-A947-70E740481C1C}">
+                <a14:useLocalDpi xmlns:a14="http://schemas.microsoft.com/office/drawing/2010/main" val="0"/>
+              </a:ext>
+            </a:extLst>
+          </a:blip>
+          <a:stretch>
+            <a:fillRect/>
+          </a:stretch>
+        </p:blipFill>
+        <p:spPr>
+          <a:xfrm>
+            <a:off x="8172400" y="644321"/>
+            <a:ext cx="841520" cy="422332"/>
+          </a:xfrm>
+          <a:prstGeom prst="rect">
+            <a:avLst/>
+          </a:prstGeom>
+        </p:spPr>
+      </p:pic>
+      <p:sp>
+        <p:nvSpPr>
+          <p:cNvPr id="8" name="CaixaDeTexto 7"/>
+          <p:cNvSpPr txBox="1"/>
+          <p:nvPr/>
+        </p:nvSpPr>
+        <p:spPr>
+          <a:xfrm>
+            <a:off x="49432" y="1340768"/>
+            <a:ext cx="4482244" cy="3539430"/>
+          </a:xfrm>
+          <a:prstGeom prst="rect">
+            <a:avLst/>
+          </a:prstGeom>
+          <a:noFill/>
+          <a:ln>
+            <a:solidFill>
+              <a:schemeClr val="tx1"/>
+            </a:solidFill>
+          </a:ln>
+        </p:spPr>
+        <p:txBody>
+          <a:bodyPr wrap="square" rtlCol="0">
+            <a:spAutoFit/>
+          </a:bodyPr>
+          <a:lstStyle/>
+          <a:p>
+            <a:r>
+              <a:rPr lang="pt-BR" sz="1400" dirty="0" smtClean="0"/>
+              <a:t>RTC </a:t>
+            </a:r>
+            <a:r>
+              <a:rPr lang="pt-BR" sz="1400" dirty="0"/>
+              <a:t>com Sensor de Temperatura - DS3231</a:t>
+            </a:r>
+          </a:p>
+          <a:p>
+            <a:r>
+              <a:rPr lang="pt-BR" sz="1400" dirty="0" smtClean="0"/>
+              <a:t>Quantidade: 1 - Preço</a:t>
+            </a:r>
+            <a:r>
+              <a:rPr lang="pt-BR" sz="1400" dirty="0"/>
+              <a:t>: R$ 29,90</a:t>
+            </a:r>
+          </a:p>
+          <a:p>
+            <a:r>
+              <a:rPr lang="pt-BR" sz="1400" dirty="0" smtClean="0"/>
+              <a:t>------------------------------------------------</a:t>
+            </a:r>
+            <a:endParaRPr lang="pt-BR" sz="1400" dirty="0"/>
+          </a:p>
+          <a:p>
+            <a:r>
+              <a:rPr lang="pt-BR" sz="1400" dirty="0" smtClean="0"/>
+              <a:t>Placa </a:t>
+            </a:r>
+            <a:r>
+              <a:rPr lang="pt-BR" sz="1400" dirty="0"/>
+              <a:t>Nano V3 </a:t>
+            </a:r>
+            <a:r>
+              <a:rPr lang="pt-BR" sz="1400" dirty="0" err="1"/>
+              <a:t>Arduino</a:t>
+            </a:r>
+            <a:r>
+              <a:rPr lang="pt-BR" sz="1400" dirty="0"/>
+              <a:t> Compatível</a:t>
+            </a:r>
+          </a:p>
+          <a:p>
+            <a:r>
+              <a:rPr lang="pt-BR" sz="1400" dirty="0" smtClean="0"/>
+              <a:t>Quantidade: 1 - Preço</a:t>
+            </a:r>
+            <a:r>
+              <a:rPr lang="pt-BR" sz="1400" dirty="0"/>
+              <a:t>: R$ 45,90</a:t>
+            </a:r>
+          </a:p>
+          <a:p>
+            <a:r>
+              <a:rPr lang="pt-BR" sz="1400" dirty="0"/>
+              <a:t>Subtotal: R$ 45,90</a:t>
+            </a:r>
+          </a:p>
+          <a:p>
+            <a:r>
+              <a:rPr lang="pt-BR" sz="1400" dirty="0" smtClean="0"/>
+              <a:t>-----------------------------------------------</a:t>
+            </a:r>
+            <a:endParaRPr lang="pt-BR" sz="1400" dirty="0"/>
+          </a:p>
+          <a:p>
+            <a:r>
+              <a:rPr lang="pt-BR" sz="1400" dirty="0" err="1"/>
+              <a:t>Buzzer</a:t>
+            </a:r>
+            <a:r>
+              <a:rPr lang="pt-BR" sz="1400" dirty="0"/>
+              <a:t> Passivo / Módulo Transdutor - BP18</a:t>
+            </a:r>
+          </a:p>
+          <a:p>
+            <a:r>
+              <a:rPr lang="pt-BR" sz="1400" dirty="0" smtClean="0"/>
+              <a:t>Quantidade: 1 -  Preço</a:t>
+            </a:r>
+            <a:r>
+              <a:rPr lang="pt-BR" sz="1400" dirty="0"/>
+              <a:t>: R$ </a:t>
+            </a:r>
+            <a:r>
+              <a:rPr lang="pt-BR" sz="1400" dirty="0" smtClean="0"/>
+              <a:t>6,95</a:t>
+            </a:r>
+          </a:p>
+          <a:p>
+            <a:r>
+              <a:rPr lang="pt-BR" sz="1400" dirty="0" smtClean="0"/>
+              <a:t>------------------------------------------------</a:t>
+            </a:r>
+            <a:endParaRPr lang="pt-BR" sz="1400" dirty="0"/>
+          </a:p>
+          <a:p>
+            <a:r>
+              <a:rPr lang="pt-BR" sz="1400" dirty="0"/>
+              <a:t>Display LCD 16x2 I2C com Fundo Azul</a:t>
+            </a:r>
+          </a:p>
+          <a:p>
+            <a:r>
+              <a:rPr lang="pt-BR" sz="1400" dirty="0" smtClean="0"/>
+              <a:t>Quantidade: 1 -  Preço</a:t>
+            </a:r>
+            <a:r>
+              <a:rPr lang="pt-BR" sz="1400" dirty="0"/>
+              <a:t>: R$ 41,90</a:t>
+            </a:r>
+          </a:p>
+          <a:p>
+            <a:r>
+              <a:rPr lang="pt-BR" sz="1400" dirty="0" smtClean="0"/>
+              <a:t>-----------------------------------------------</a:t>
+            </a:r>
+            <a:endParaRPr lang="pt-BR" sz="1400" dirty="0"/>
+          </a:p>
+          <a:p>
+            <a:r>
+              <a:rPr lang="pt-BR" sz="1400" dirty="0"/>
+              <a:t>Módulo </a:t>
+            </a:r>
+            <a:r>
+              <a:rPr lang="pt-BR" sz="1400" dirty="0" err="1"/>
+              <a:t>Encoder</a:t>
+            </a:r>
+            <a:r>
+              <a:rPr lang="pt-BR" sz="1400" dirty="0"/>
+              <a:t> 360° Redondo 5V CE11</a:t>
+            </a:r>
+          </a:p>
+          <a:p>
+            <a:r>
+              <a:rPr lang="pt-BR" sz="1400" dirty="0" smtClean="0"/>
+              <a:t>Quantidade: 1 -  Preço</a:t>
+            </a:r>
+            <a:r>
+              <a:rPr lang="pt-BR" sz="1400" dirty="0"/>
+              <a:t>: R$ 19,50</a:t>
+            </a:r>
+          </a:p>
+          <a:p>
+            <a:r>
+              <a:rPr lang="pt-BR" sz="1400" dirty="0" smtClean="0"/>
+              <a:t>---------------------------------------------</a:t>
+            </a:r>
+            <a:endParaRPr lang="pt-BR" sz="1400" dirty="0"/>
+          </a:p>
+        </p:txBody>
+      </p:sp>
+      <p:sp>
+        <p:nvSpPr>
+          <p:cNvPr id="37" name="CaixaDeTexto 36"/>
+          <p:cNvSpPr txBox="1"/>
+          <p:nvPr/>
+        </p:nvSpPr>
+        <p:spPr>
+          <a:xfrm>
+            <a:off x="4554252" y="1340768"/>
+            <a:ext cx="4482244" cy="2893100"/>
+          </a:xfrm>
+          <a:prstGeom prst="rect">
+            <a:avLst/>
+          </a:prstGeom>
+          <a:noFill/>
+          <a:ln>
+            <a:solidFill>
+              <a:schemeClr val="tx1"/>
+            </a:solidFill>
+          </a:ln>
+        </p:spPr>
+        <p:txBody>
+          <a:bodyPr wrap="square" rtlCol="0">
+            <a:spAutoFit/>
+          </a:bodyPr>
+          <a:lstStyle/>
+          <a:p>
+            <a:r>
+              <a:rPr lang="pt-BR" sz="1400" dirty="0" smtClean="0"/>
+              <a:t>Módulo </a:t>
+            </a:r>
+            <a:r>
+              <a:rPr lang="pt-BR" sz="1400" dirty="0"/>
+              <a:t>Relé 5V 10A 1 Canal com </a:t>
+            </a:r>
+            <a:r>
+              <a:rPr lang="pt-BR" sz="1400" dirty="0" err="1"/>
+              <a:t>Optoacoplador</a:t>
+            </a:r>
+            <a:endParaRPr lang="pt-BR" sz="1400" dirty="0"/>
+          </a:p>
+          <a:p>
+            <a:r>
+              <a:rPr lang="pt-BR" sz="1400" dirty="0" smtClean="0"/>
+              <a:t>Quantidade:1 -  Preço</a:t>
+            </a:r>
+            <a:r>
+              <a:rPr lang="pt-BR" sz="1400" dirty="0"/>
+              <a:t>: R$ </a:t>
+            </a:r>
+            <a:r>
+              <a:rPr lang="pt-BR" sz="1400" dirty="0" smtClean="0"/>
+              <a:t>15,90</a:t>
+            </a:r>
+          </a:p>
+          <a:p>
+            <a:r>
+              <a:rPr lang="pt-BR" sz="1400" dirty="0" smtClean="0"/>
+              <a:t>--------------------------------------------</a:t>
+            </a:r>
+          </a:p>
+          <a:p>
+            <a:r>
+              <a:rPr lang="pt-BR" sz="1400" dirty="0" smtClean="0"/>
+              <a:t>Relé de Estado Sólido SSR 3-32VDC 40A</a:t>
+            </a:r>
+          </a:p>
+          <a:p>
+            <a:r>
+              <a:rPr lang="pt-BR" sz="1400" dirty="0" smtClean="0"/>
+              <a:t>Código: 06815</a:t>
+            </a:r>
+          </a:p>
+          <a:p>
+            <a:r>
+              <a:rPr lang="pt-BR" sz="1400" dirty="0" smtClean="0"/>
+              <a:t>Quantidade: 2 -  Subtotal: R$ 109,80</a:t>
+            </a:r>
+          </a:p>
+          <a:p>
+            <a:r>
+              <a:rPr lang="pt-BR" sz="1400" dirty="0" smtClean="0"/>
+              <a:t>--------------------------------------------</a:t>
+            </a:r>
+          </a:p>
+          <a:p>
+            <a:r>
+              <a:rPr lang="pt-BR" sz="1400" dirty="0" smtClean="0"/>
+              <a:t>Conector Mike GX12 4 Vias Macho e Fêmea</a:t>
+            </a:r>
+          </a:p>
+          <a:p>
+            <a:r>
+              <a:rPr lang="pt-BR" sz="1400" dirty="0" smtClean="0"/>
+              <a:t>Quantidade: 5 -  Subtotal: R$ 67,20</a:t>
+            </a:r>
+          </a:p>
+          <a:p>
+            <a:r>
+              <a:rPr lang="pt-BR" sz="1400" dirty="0" smtClean="0"/>
+              <a:t>--------------------------------------------</a:t>
+            </a:r>
+          </a:p>
+          <a:p>
+            <a:r>
+              <a:rPr lang="pt-BR" sz="1400" dirty="0" smtClean="0"/>
+              <a:t>Cabo Flat Colorido 40 vias - Venda por metro</a:t>
+            </a:r>
+          </a:p>
+          <a:p>
+            <a:r>
+              <a:rPr lang="pt-BR" sz="1400" dirty="0" smtClean="0"/>
+              <a:t>Quantidade: 1  Preço: R$ 29,78</a:t>
+            </a:r>
+          </a:p>
+          <a:p>
+            <a:r>
+              <a:rPr lang="pt-BR" sz="1400" dirty="0" smtClean="0"/>
+              <a:t> ####################################</a:t>
+            </a:r>
+          </a:p>
+        </p:txBody>
+      </p:sp>
+      <p:sp>
+        <p:nvSpPr>
+          <p:cNvPr id="38" name="CaixaDeTexto 37"/>
+          <p:cNvSpPr txBox="1"/>
+          <p:nvPr/>
+        </p:nvSpPr>
+        <p:spPr>
+          <a:xfrm>
+            <a:off x="4689180" y="4365104"/>
+            <a:ext cx="2241122" cy="2308324"/>
+          </a:xfrm>
+          <a:prstGeom prst="rect">
+            <a:avLst/>
+          </a:prstGeom>
+          <a:noFill/>
+        </p:spPr>
+        <p:txBody>
+          <a:bodyPr wrap="square" rtlCol="0">
+            <a:spAutoFit/>
+          </a:bodyPr>
+          <a:lstStyle/>
+          <a:p>
+            <a:r>
+              <a:rPr lang="pt-BR" sz="1200" dirty="0" smtClean="0"/>
+              <a:t>Total </a:t>
+            </a:r>
+            <a:r>
+              <a:rPr lang="pt-BR" sz="1200" dirty="0"/>
+              <a:t>de produtos:</a:t>
+            </a:r>
+          </a:p>
+          <a:p>
+            <a:r>
+              <a:rPr lang="pt-BR" sz="1200" dirty="0"/>
+              <a:t>R$ 366,83</a:t>
+            </a:r>
+          </a:p>
+          <a:p>
+            <a:r>
+              <a:rPr lang="pt-BR" sz="1200" dirty="0"/>
+              <a:t>CEP </a:t>
+            </a:r>
+            <a:r>
+              <a:rPr lang="pt-BR" sz="1200" dirty="0" smtClean="0"/>
+              <a:t>64490000</a:t>
+            </a:r>
+            <a:endParaRPr lang="pt-BR" sz="1200" dirty="0"/>
+          </a:p>
+          <a:p>
+            <a:r>
+              <a:rPr lang="pt-BR" sz="1200" dirty="0"/>
+              <a:t>JADLOG</a:t>
+            </a:r>
+          </a:p>
+          <a:p>
+            <a:r>
+              <a:rPr lang="pt-BR" sz="1200" dirty="0"/>
+              <a:t>R$ 85,20</a:t>
+            </a:r>
+          </a:p>
+          <a:p>
+            <a:r>
+              <a:rPr lang="pt-BR" sz="1200" dirty="0"/>
+              <a:t>de 13 à 15 dias úteis</a:t>
+            </a:r>
+          </a:p>
+          <a:p>
+            <a:r>
+              <a:rPr lang="pt-BR" sz="1200" dirty="0"/>
+              <a:t>Normal/PAC</a:t>
+            </a:r>
+          </a:p>
+          <a:p>
+            <a:r>
+              <a:rPr lang="pt-BR" sz="1200" dirty="0"/>
+              <a:t>R$ 77,84</a:t>
+            </a:r>
+          </a:p>
+          <a:p>
+            <a:r>
+              <a:rPr lang="pt-BR" sz="1200" dirty="0"/>
+              <a:t>de 14 à 17 dias úteis</a:t>
+            </a:r>
+          </a:p>
+          <a:p>
+            <a:r>
+              <a:rPr lang="pt-BR" sz="1200" dirty="0"/>
+              <a:t>PAC</a:t>
+            </a:r>
+          </a:p>
+          <a:p>
+            <a:r>
+              <a:rPr lang="pt-BR" sz="1200" dirty="0"/>
+              <a:t>R$ 66,92</a:t>
+            </a:r>
+          </a:p>
+          <a:p>
+            <a:r>
+              <a:rPr lang="pt-BR" sz="1200" dirty="0"/>
+              <a:t>de 15 à 16 dias </a:t>
+            </a:r>
+            <a:r>
+              <a:rPr lang="pt-BR" sz="1200" dirty="0" smtClean="0"/>
+              <a:t>úteis</a:t>
+            </a:r>
+            <a:endParaRPr lang="pt-BR" sz="1200" dirty="0"/>
+          </a:p>
+        </p:txBody>
+      </p:sp>
+      <p:sp>
+        <p:nvSpPr>
+          <p:cNvPr id="39" name="CaixaDeTexto 38"/>
+          <p:cNvSpPr txBox="1"/>
+          <p:nvPr/>
+        </p:nvSpPr>
+        <p:spPr>
+          <a:xfrm>
+            <a:off x="6939410" y="4365104"/>
+            <a:ext cx="2241122" cy="1938992"/>
+          </a:xfrm>
+          <a:prstGeom prst="rect">
+            <a:avLst/>
+          </a:prstGeom>
+          <a:noFill/>
+        </p:spPr>
+        <p:txBody>
+          <a:bodyPr wrap="square" rtlCol="0">
+            <a:spAutoFit/>
+          </a:bodyPr>
+          <a:lstStyle/>
+          <a:p>
+            <a:r>
+              <a:rPr lang="pt-BR" sz="1200" dirty="0" smtClean="0"/>
+              <a:t>Expresso/SEDEX</a:t>
+            </a:r>
+            <a:endParaRPr lang="pt-BR" sz="1200" dirty="0"/>
+          </a:p>
+          <a:p>
+            <a:r>
+              <a:rPr lang="pt-BR" sz="1200" dirty="0"/>
+              <a:t>R$ 96,34</a:t>
+            </a:r>
+          </a:p>
+          <a:p>
+            <a:r>
+              <a:rPr lang="pt-BR" sz="1200" dirty="0"/>
+              <a:t>de 10 à 13 dias úteis</a:t>
+            </a:r>
+          </a:p>
+          <a:p>
+            <a:r>
+              <a:rPr lang="pt-BR" sz="1200" dirty="0"/>
+              <a:t>SEDEX</a:t>
+            </a:r>
+          </a:p>
+          <a:p>
+            <a:r>
+              <a:rPr lang="pt-BR" sz="1200" dirty="0"/>
+              <a:t>R$ 85,42</a:t>
+            </a:r>
+          </a:p>
+          <a:p>
+            <a:r>
+              <a:rPr lang="pt-BR" sz="1200" dirty="0"/>
+              <a:t>de 10 à 11 dias úteis</a:t>
+            </a:r>
+          </a:p>
+          <a:p>
+            <a:r>
+              <a:rPr lang="pt-BR" sz="1200" dirty="0"/>
+              <a:t>Total:</a:t>
+            </a:r>
+          </a:p>
+          <a:p>
+            <a:r>
+              <a:rPr lang="pt-BR" sz="1200" dirty="0"/>
+              <a:t>R$ 366,83</a:t>
+            </a:r>
+          </a:p>
+          <a:p>
+            <a:r>
+              <a:rPr lang="pt-BR" sz="1200" dirty="0"/>
+              <a:t>Total com boleto/depósito</a:t>
+            </a:r>
+          </a:p>
+          <a:p>
+            <a:r>
+              <a:rPr lang="pt-BR" sz="1200" dirty="0"/>
+              <a:t>R$ 348,49</a:t>
+            </a:r>
+            <a:endParaRPr lang="pt-BR" sz="1200" dirty="0" smtClean="0"/>
+          </a:p>
+        </p:txBody>
+      </p:sp>
+    </p:spTree>
+    <p:extLst>
+      <p:ext uri="{BB962C8B-B14F-4D97-AF65-F5344CB8AC3E}">
+        <p14:creationId xmlns:p14="http://schemas.microsoft.com/office/powerpoint/2010/main" val="633323939"/>
       </p:ext>
     </p:extLst>
   </p:cSld>
